--- a/uke_2/slides/intro-aws.pptx
+++ b/uke_2/slides/intro-aws.pptx
@@ -279,7 +279,7 @@
               </c:numCache>
             </c:numRef>
           </c:val>
-          <c:extLst xmlns:c16r3="http://schemas.microsoft.com/office/drawing/2017/03/chart" xmlns:c16="http://schemas.microsoft.com/office/drawing/2014/chart" xmlns:c14="http://schemas.microsoft.com/office/drawing/2007/8/2/chart" xmlns:mc="http://schemas.openxmlformats.org/markup-compatibility/2006">
+          <c:extLst xmlns:mc="http://schemas.openxmlformats.org/markup-compatibility/2006" xmlns:c14="http://schemas.microsoft.com/office/drawing/2007/8/2/chart" xmlns:c16="http://schemas.microsoft.com/office/drawing/2014/chart" xmlns:c16r3="http://schemas.microsoft.com/office/drawing/2017/03/chart">
             <c:ext xmlns:c16="http://schemas.microsoft.com/office/drawing/2014/chart" uri="{C3380CC4-5D6E-409C-BE32-E72D297353CC}">
               <c16:uniqueId val="{00000000-6E47-DC49-8924-0264C939B55F}"/>
             </c:ext>
@@ -408,7 +408,7 @@
               </c:numCache>
             </c:numRef>
           </c:val>
-          <c:extLst xmlns:c16r3="http://schemas.microsoft.com/office/drawing/2017/03/chart" xmlns:c16="http://schemas.microsoft.com/office/drawing/2014/chart" xmlns:c14="http://schemas.microsoft.com/office/drawing/2007/8/2/chart" xmlns:mc="http://schemas.openxmlformats.org/markup-compatibility/2006">
+          <c:extLst xmlns:mc="http://schemas.openxmlformats.org/markup-compatibility/2006" xmlns:c14="http://schemas.microsoft.com/office/drawing/2007/8/2/chart" xmlns:c16="http://schemas.microsoft.com/office/drawing/2014/chart" xmlns:c16r3="http://schemas.microsoft.com/office/drawing/2017/03/chart">
             <c:ext xmlns:c16="http://schemas.microsoft.com/office/drawing/2014/chart" uri="{C3380CC4-5D6E-409C-BE32-E72D297353CC}">
               <c16:uniqueId val="{00000001-6E47-DC49-8924-0264C939B55F}"/>
             </c:ext>
@@ -540,7 +540,7 @@
               </c:numCache>
             </c:numRef>
           </c:val>
-          <c:extLst xmlns:c16r3="http://schemas.microsoft.com/office/drawing/2017/03/chart" xmlns:c16="http://schemas.microsoft.com/office/drawing/2014/chart" xmlns:c14="http://schemas.microsoft.com/office/drawing/2007/8/2/chart" xmlns:mc="http://schemas.openxmlformats.org/markup-compatibility/2006">
+          <c:extLst xmlns:mc="http://schemas.openxmlformats.org/markup-compatibility/2006" xmlns:c14="http://schemas.microsoft.com/office/drawing/2007/8/2/chart" xmlns:c16="http://schemas.microsoft.com/office/drawing/2014/chart" xmlns:c16r3="http://schemas.microsoft.com/office/drawing/2017/03/chart">
             <c:ext xmlns:c16="http://schemas.microsoft.com/office/drawing/2014/chart" uri="{C3380CC4-5D6E-409C-BE32-E72D297353CC}">
               <c16:uniqueId val="{00000002-6E47-DC49-8924-0264C939B55F}"/>
             </c:ext>
@@ -695,14 +695,14 @@
     </c:legend>
     <c:plotVisOnly val="1"/>
     <c:dispBlanksAs val="gap"/>
-    <c:extLst xmlns:c16r3="http://schemas.microsoft.com/office/drawing/2017/03/chart" xmlns:c16="http://schemas.microsoft.com/office/drawing/2014/chart" xmlns:c14="http://schemas.microsoft.com/office/drawing/2007/8/2/chart" xmlns:mc="http://schemas.openxmlformats.org/markup-compatibility/2006">
+    <c:showDLblsOverMax val="0"/>
+    <c:extLst xmlns:mc="http://schemas.openxmlformats.org/markup-compatibility/2006" xmlns:c14="http://schemas.microsoft.com/office/drawing/2007/8/2/chart" xmlns:c16="http://schemas.microsoft.com/office/drawing/2014/chart" xmlns:c16r3="http://schemas.microsoft.com/office/drawing/2017/03/chart">
       <c:ext xmlns:c16r3="http://schemas.microsoft.com/office/drawing/2017/03/chart" uri="{56B9EC1D-385E-4148-901F-78D8002777C0}">
         <c16r3:dataDisplayOptions16>
           <c16r3:dispNaAsBlank val="1"/>
         </c16r3:dataDisplayOptions16>
       </c:ext>
     </c:extLst>
-    <c:showDLblsOverMax val="0"/>
   </c:chart>
   <c:spPr>
     <a:noFill/>
@@ -1320,7 +1320,7 @@
           <a:p>
             <a:fld id="{49CA5DFB-2FB5-E74A-9E81-DFE01421C742}" type="datetimeFigureOut">
               <a:rPr lang="en-NO" smtClean="0"/>
-              <a:t>12/01/2025</a:t>
+              <a:t>12/01/2026</a:t>
             </a:fld>
             <a:endParaRPr lang="en-NO"/>
           </a:p>
@@ -1744,7 +1744,7 @@
           <a:p>
             <a:fld id="{2E405B87-0B1C-464B-928F-AA5E9D282D70}" type="datetimeFigureOut">
               <a:rPr lang="en-US" smtClean="0"/>
-              <a:t>1/12/25</a:t>
+              <a:t>1/12/26</a:t>
             </a:fld>
             <a:endParaRPr lang="en-US"/>
           </a:p>
@@ -2446,7 +2446,7 @@
           <a:p>
             <a:fld id="{2E405B87-0B1C-464B-928F-AA5E9D282D70}" type="datetimeFigureOut">
               <a:rPr lang="en-US" smtClean="0"/>
-              <a:t>1/12/25</a:t>
+              <a:t>1/12/26</a:t>
             </a:fld>
             <a:endParaRPr lang="en-US"/>
           </a:p>
@@ -3003,7 +3003,7 @@
           <a:p>
             <a:fld id="{2E405B87-0B1C-464B-928F-AA5E9D282D70}" type="datetimeFigureOut">
               <a:rPr lang="en-US" smtClean="0"/>
-              <a:t>1/12/25</a:t>
+              <a:t>1/12/26</a:t>
             </a:fld>
             <a:endParaRPr lang="en-US"/>
           </a:p>
@@ -3491,7 +3491,7 @@
           <a:p>
             <a:fld id="{2E405B87-0B1C-464B-928F-AA5E9D282D70}" type="datetimeFigureOut">
               <a:rPr lang="en-US" smtClean="0"/>
-              <a:t>1/12/25</a:t>
+              <a:t>1/12/26</a:t>
             </a:fld>
             <a:endParaRPr lang="en-US"/>
           </a:p>
@@ -3681,7 +3681,7 @@
           <a:p>
             <a:fld id="{2E405B87-0B1C-464B-928F-AA5E9D282D70}" type="datetimeFigureOut">
               <a:rPr lang="en-US" smtClean="0"/>
-              <a:t>1/12/25</a:t>
+              <a:t>1/12/26</a:t>
             </a:fld>
             <a:endParaRPr lang="en-US"/>
           </a:p>
@@ -4103,7 +4103,7 @@
           <a:p>
             <a:fld id="{2E405B87-0B1C-464B-928F-AA5E9D282D70}" type="datetimeFigureOut">
               <a:rPr lang="en-US" smtClean="0"/>
-              <a:t>1/12/25</a:t>
+              <a:t>1/12/26</a:t>
             </a:fld>
             <a:endParaRPr lang="en-US"/>
           </a:p>
@@ -4237,7 +4237,7 @@
           <a:p>
             <a:fld id="{2E405B87-0B1C-464B-928F-AA5E9D282D70}" type="datetimeFigureOut">
               <a:rPr lang="en-US" smtClean="0"/>
-              <a:t>1/12/25</a:t>
+              <a:t>1/12/26</a:t>
             </a:fld>
             <a:endParaRPr lang="en-US"/>
           </a:p>
@@ -4547,7 +4547,7 @@
           <a:p>
             <a:fld id="{2E405B87-0B1C-464B-928F-AA5E9D282D70}" type="datetimeFigureOut">
               <a:rPr lang="en-US" smtClean="0"/>
-              <a:t>1/12/25</a:t>
+              <a:t>1/12/26</a:t>
             </a:fld>
             <a:endParaRPr lang="en-US"/>
           </a:p>
@@ -5623,7 +5623,7 @@
           <a:p>
             <a:fld id="{2E405B87-0B1C-464B-928F-AA5E9D282D70}" type="datetimeFigureOut">
               <a:rPr lang="en-US" smtClean="0"/>
-              <a:t>1/12/25</a:t>
+              <a:t>1/12/26</a:t>
             </a:fld>
             <a:endParaRPr lang="en-US"/>
           </a:p>
@@ -6180,7 +6180,7 @@
           <a:p>
             <a:fld id="{2E405B87-0B1C-464B-928F-AA5E9D282D70}" type="datetimeFigureOut">
               <a:rPr lang="en-US" smtClean="0"/>
-              <a:t>1/12/25</a:t>
+              <a:t>1/12/26</a:t>
             </a:fld>
             <a:endParaRPr lang="en-US"/>
           </a:p>
@@ -6878,7 +6878,7 @@
           <a:p>
             <a:fld id="{2E405B87-0B1C-464B-928F-AA5E9D282D70}" type="datetimeFigureOut">
               <a:rPr lang="en-US" smtClean="0"/>
-              <a:t>1/12/25</a:t>
+              <a:t>1/12/26</a:t>
             </a:fld>
             <a:endParaRPr lang="en-US"/>
           </a:p>
@@ -7317,7 +7317,7 @@
           <a:p>
             <a:fld id="{2E405B87-0B1C-464B-928F-AA5E9D282D70}" type="datetimeFigureOut">
               <a:rPr lang="en-US" smtClean="0"/>
-              <a:t>1/12/25</a:t>
+              <a:t>1/12/26</a:t>
             </a:fld>
             <a:endParaRPr lang="en-US"/>
           </a:p>
@@ -7894,7 +7894,7 @@
           <a:p>
             <a:fld id="{2E405B87-0B1C-464B-928F-AA5E9D282D70}" type="datetimeFigureOut">
               <a:rPr lang="en-US" smtClean="0"/>
-              <a:t>1/12/25</a:t>
+              <a:t>1/12/26</a:t>
             </a:fld>
             <a:endParaRPr lang="en-US"/>
           </a:p>
@@ -8128,7 +8128,7 @@
           <a:p>
             <a:fld id="{2E405B87-0B1C-464B-928F-AA5E9D282D70}" type="datetimeFigureOut">
               <a:rPr lang="en-US" smtClean="0"/>
-              <a:t>1/12/25</a:t>
+              <a:t>1/12/26</a:t>
             </a:fld>
             <a:endParaRPr lang="en-US"/>
           </a:p>
@@ -8972,7 +8972,7 @@
           <a:p>
             <a:fld id="{2E405B87-0B1C-464B-928F-AA5E9D282D70}" type="datetimeFigureOut">
               <a:rPr lang="en-US" smtClean="0"/>
-              <a:t>1/12/25</a:t>
+              <a:t>1/12/26</a:t>
             </a:fld>
             <a:endParaRPr lang="en-US"/>
           </a:p>
@@ -9175,7 +9175,7 @@
           <a:p>
             <a:fld id="{2E405B87-0B1C-464B-928F-AA5E9D282D70}" type="datetimeFigureOut">
               <a:rPr lang="en-US" smtClean="0"/>
-              <a:t>1/12/25</a:t>
+              <a:t>1/12/26</a:t>
             </a:fld>
             <a:endParaRPr lang="en-US"/>
           </a:p>
@@ -9297,7 +9297,7 @@
           <a:p>
             <a:fld id="{2E405B87-0B1C-464B-928F-AA5E9D282D70}" type="datetimeFigureOut">
               <a:rPr lang="en-US" smtClean="0"/>
-              <a:t>1/12/25</a:t>
+              <a:t>1/12/26</a:t>
             </a:fld>
             <a:endParaRPr lang="en-US"/>
           </a:p>
@@ -9828,7 +9828,7 @@
           <a:p>
             <a:fld id="{2E405B87-0B1C-464B-928F-AA5E9D282D70}" type="datetimeFigureOut">
               <a:rPr lang="en-US" smtClean="0"/>
-              <a:t>1/12/25</a:t>
+              <a:t>1/12/26</a:t>
             </a:fld>
             <a:endParaRPr lang="en-US"/>
           </a:p>
@@ -10424,7 +10424,7 @@
           <a:p>
             <a:fld id="{2E405B87-0B1C-464B-928F-AA5E9D282D70}" type="datetimeFigureOut">
               <a:rPr lang="en-US" smtClean="0"/>
-              <a:t>1/12/25</a:t>
+              <a:t>1/12/26</a:t>
             </a:fld>
             <a:endParaRPr lang="en-US"/>
           </a:p>
@@ -11008,7 +11008,7 @@
           <a:p>
             <a:fld id="{2E405B87-0B1C-464B-928F-AA5E9D282D70}" type="datetimeFigureOut">
               <a:rPr lang="en-US" smtClean="0"/>
-              <a:t>1/12/25</a:t>
+              <a:t>1/12/26</a:t>
             </a:fld>
             <a:endParaRPr lang="en-US"/>
           </a:p>
@@ -11743,11 +11743,127 @@
               <a:buChar char="•"/>
             </a:pPr>
             <a:r>
-              <a:rPr lang="en-US" sz="1400"/>
-              <a:t>Generell bruk: Allsidige og balanserte ressurser.
-Compute-optimalisert: For tung regning og prosessering.
-Minne-optimalisert: For minneintensive applikasjoner.
-Lagringsoptimalisert: For lagringsintensive arbeidsbelastninger.</a:t>
+              <a:rPr lang="en-US" sz="1400" dirty="0" err="1"/>
+              <a:t>Generell</a:t>
+            </a:r>
+            <a:r>
+              <a:rPr lang="en-US" sz="1400" dirty="0"/>
+              <a:t> bruk: </a:t>
+            </a:r>
+            <a:r>
+              <a:rPr lang="en-US" sz="1400" dirty="0" err="1"/>
+              <a:t>Allsidige</a:t>
+            </a:r>
+            <a:r>
+              <a:rPr lang="en-US" sz="1400" dirty="0"/>
+              <a:t> </a:t>
+            </a:r>
+            <a:r>
+              <a:rPr lang="en-US" sz="1400" dirty="0" err="1"/>
+              <a:t>og</a:t>
+            </a:r>
+            <a:r>
+              <a:rPr lang="en-US" sz="1400" dirty="0"/>
+              <a:t> </a:t>
+            </a:r>
+            <a:r>
+              <a:rPr lang="en-US" sz="1400" dirty="0" err="1"/>
+              <a:t>balanserte</a:t>
+            </a:r>
+            <a:r>
+              <a:rPr lang="en-US" sz="1400" dirty="0"/>
+              <a:t> </a:t>
+            </a:r>
+            <a:r>
+              <a:rPr lang="en-US" sz="1400" dirty="0" err="1"/>
+              <a:t>ressurser</a:t>
+            </a:r>
+            <a:r>
+              <a:rPr lang="en-US" sz="1400" dirty="0"/>
+              <a:t>.
+Compute-</a:t>
+            </a:r>
+            <a:r>
+              <a:rPr lang="en-US" sz="1400" dirty="0" err="1"/>
+              <a:t>optimalisert</a:t>
+            </a:r>
+            <a:r>
+              <a:rPr lang="en-US" sz="1400" dirty="0"/>
+              <a:t>: For tung </a:t>
+            </a:r>
+            <a:r>
+              <a:rPr lang="en-US" sz="1400" dirty="0" err="1"/>
+              <a:t>regning</a:t>
+            </a:r>
+            <a:r>
+              <a:rPr lang="en-US" sz="1400" dirty="0"/>
+              <a:t> </a:t>
+            </a:r>
+            <a:r>
+              <a:rPr lang="en-US" sz="1400" dirty="0" err="1"/>
+              <a:t>og</a:t>
+            </a:r>
+            <a:r>
+              <a:rPr lang="en-US" sz="1400" dirty="0"/>
+              <a:t> </a:t>
+            </a:r>
+            <a:r>
+              <a:rPr lang="en-US" sz="1400" dirty="0" err="1"/>
+              <a:t>prosessering</a:t>
+            </a:r>
+            <a:r>
+              <a:rPr lang="en-US" sz="1400" dirty="0"/>
+              <a:t>.
+Minne-</a:t>
+            </a:r>
+            <a:r>
+              <a:rPr lang="en-US" sz="1400" dirty="0" err="1"/>
+              <a:t>optimalisert</a:t>
+            </a:r>
+            <a:r>
+              <a:rPr lang="en-US" sz="1400" dirty="0"/>
+              <a:t>: For </a:t>
+            </a:r>
+            <a:r>
+              <a:rPr lang="en-US" sz="1400" dirty="0" err="1"/>
+              <a:t>minneintensive</a:t>
+            </a:r>
+            <a:r>
+              <a:rPr lang="en-US" sz="1400" dirty="0"/>
+              <a:t> </a:t>
+            </a:r>
+            <a:r>
+              <a:rPr lang="en-US" sz="1400" dirty="0" err="1"/>
+              <a:t>applikasjoner</a:t>
+            </a:r>
+            <a:r>
+              <a:rPr lang="en-US" sz="1400" dirty="0"/>
+              <a:t>.
+</a:t>
+            </a:r>
+            <a:r>
+              <a:rPr lang="en-US" sz="1400" dirty="0" err="1"/>
+              <a:t>Lagringsoptimalisert</a:t>
+            </a:r>
+            <a:r>
+              <a:rPr lang="en-US" sz="1400" dirty="0"/>
+              <a:t>: For </a:t>
+            </a:r>
+            <a:r>
+              <a:rPr lang="en-US" sz="1400" dirty="0" err="1"/>
+              <a:t>lagringsintensive</a:t>
+            </a:r>
+            <a:r>
+              <a:rPr lang="en-US" sz="1400" dirty="0"/>
+              <a:t> </a:t>
+            </a:r>
+            <a:r>
+              <a:rPr lang="en-US" sz="1400" dirty="0" err="1"/>
+              <a:t>arbeidsbelastninger</a:t>
+            </a:r>
+            <a:r>
+              <a:rPr lang="en-US" sz="1400" dirty="0"/>
+              <a:t>.</a:t>
             </a:r>
           </a:p>
         </p:txBody>
@@ -11794,10 +11910,98 @@
               <a:buChar char="•"/>
             </a:pPr>
             <a:r>
-              <a:rPr lang="en-US" sz="1400"/>
-              <a:t>On-demand: Betal for hva du bruker.
-Reserved: Forhåndsbetalte ressurser med rabatter.
-Spot: Ubenyttede ressurser til lavere priser.</a:t>
+              <a:rPr lang="en-US" sz="1400" dirty="0"/>
+              <a:t>On-demand: </a:t>
+            </a:r>
+            <a:r>
+              <a:rPr lang="en-US" sz="1400" dirty="0" err="1"/>
+              <a:t>Betal</a:t>
+            </a:r>
+            <a:r>
+              <a:rPr lang="en-US" sz="1400" dirty="0"/>
+              <a:t> for </a:t>
+            </a:r>
+            <a:r>
+              <a:rPr lang="en-US" sz="1400" dirty="0" err="1"/>
+              <a:t>hva</a:t>
+            </a:r>
+            <a:r>
+              <a:rPr lang="en-US" sz="1400" dirty="0"/>
+              <a:t> du </a:t>
+            </a:r>
+            <a:r>
+              <a:rPr lang="en-US" sz="1400" dirty="0" err="1"/>
+              <a:t>bruker</a:t>
+            </a:r>
+            <a:r>
+              <a:rPr lang="en-US" sz="1400" dirty="0"/>
+              <a:t>.
+Reserved: </a:t>
+            </a:r>
+            <a:r>
+              <a:rPr lang="en-US" sz="1400" dirty="0" err="1"/>
+              <a:t>Forhåndsbetalte</a:t>
+            </a:r>
+            <a:r>
+              <a:rPr lang="en-US" sz="1400" dirty="0"/>
+              <a:t> </a:t>
+            </a:r>
+            <a:r>
+              <a:rPr lang="en-US" sz="1400" dirty="0" err="1"/>
+              <a:t>ressurser</a:t>
+            </a:r>
+            <a:r>
+              <a:rPr lang="en-US" sz="1400" dirty="0"/>
+              <a:t> med </a:t>
+            </a:r>
+            <a:r>
+              <a:rPr lang="en-US" sz="1400" dirty="0" err="1"/>
+              <a:t>rabatter</a:t>
+            </a:r>
+            <a:r>
+              <a:rPr lang="en-US" sz="1400" dirty="0"/>
+              <a:t>.
+Spot: </a:t>
+            </a:r>
+            <a:r>
+              <a:rPr lang="en-US" sz="1400" dirty="0" err="1"/>
+              <a:t>Ubenyttede</a:t>
+            </a:r>
+            <a:r>
+              <a:rPr lang="en-US" sz="1400" dirty="0"/>
+              <a:t> </a:t>
+            </a:r>
+            <a:r>
+              <a:rPr lang="en-US" sz="1400" dirty="0" err="1"/>
+              <a:t>ressurser</a:t>
+            </a:r>
+            <a:r>
+              <a:rPr lang="en-US" sz="1400" dirty="0"/>
+              <a:t> </a:t>
+            </a:r>
+            <a:r>
+              <a:rPr lang="en-US" sz="1400" dirty="0" err="1"/>
+              <a:t>til</a:t>
+            </a:r>
+            <a:r>
+              <a:rPr lang="en-US" sz="1400" dirty="0"/>
+              <a:t> </a:t>
+            </a:r>
+            <a:r>
+              <a:rPr lang="en-US" sz="1400" dirty="0" err="1"/>
+              <a:t>lavere</a:t>
+            </a:r>
+            <a:r>
+              <a:rPr lang="en-US" sz="1400" dirty="0"/>
+              <a:t> </a:t>
+            </a:r>
+            <a:r>
+              <a:rPr lang="en-US" sz="1400" dirty="0" err="1"/>
+              <a:t>priser</a:t>
+            </a:r>
+            <a:r>
+              <a:rPr lang="en-US" sz="1400" dirty="0"/>
+              <a:t>.</a:t>
             </a:r>
           </a:p>
         </p:txBody>
@@ -14107,8 +14311,68 @@
               </a:lnSpc>
             </a:pPr>
             <a:r>
-              <a:rPr lang="en-US" sz="1400"/>
-              <a:t>Tilgang til mange tjenester uten kostnad i 12 måneder. Perfekt for å eksperimentere.</a:t>
+              <a:rPr lang="en-US" sz="1400" dirty="0" err="1"/>
+              <a:t>Tilgang</a:t>
+            </a:r>
+            <a:r>
+              <a:rPr lang="en-US" sz="1400" dirty="0"/>
+              <a:t> </a:t>
+            </a:r>
+            <a:r>
+              <a:rPr lang="en-US" sz="1400" dirty="0" err="1"/>
+              <a:t>til</a:t>
+            </a:r>
+            <a:r>
+              <a:rPr lang="en-US" sz="1400" dirty="0"/>
+              <a:t> mange </a:t>
+            </a:r>
+            <a:r>
+              <a:rPr lang="en-US" sz="1400" dirty="0" err="1"/>
+              <a:t>tjenester</a:t>
+            </a:r>
+            <a:r>
+              <a:rPr lang="en-US" sz="1400" dirty="0"/>
+              <a:t> </a:t>
+            </a:r>
+            <a:r>
+              <a:rPr lang="en-US" sz="1400" dirty="0" err="1"/>
+              <a:t>uten</a:t>
+            </a:r>
+            <a:r>
+              <a:rPr lang="en-US" sz="1400" dirty="0"/>
+              <a:t> </a:t>
+            </a:r>
+            <a:r>
+              <a:rPr lang="en-US" sz="1400" dirty="0" err="1"/>
+              <a:t>kostnad</a:t>
+            </a:r>
+            <a:r>
+              <a:rPr lang="en-US" sz="1400" dirty="0"/>
+              <a:t>. </a:t>
+            </a:r>
+            <a:r>
+              <a:rPr lang="en-US" sz="1400" dirty="0" err="1"/>
+              <a:t>Perfekt</a:t>
+            </a:r>
+            <a:r>
+              <a:rPr lang="en-US" sz="1400" dirty="0"/>
+              <a:t> for </a:t>
+            </a:r>
+            <a:r>
+              <a:rPr lang="en-US" sz="1400" dirty="0" err="1"/>
+              <a:t>å</a:t>
+            </a:r>
+            <a:r>
+              <a:rPr lang="en-US" sz="1400" dirty="0"/>
+              <a:t> </a:t>
+            </a:r>
+            <a:r>
+              <a:rPr lang="en-US" sz="1400" dirty="0" err="1"/>
+              <a:t>eksperimentere</a:t>
+            </a:r>
+            <a:r>
+              <a:rPr lang="en-US" sz="1400" dirty="0"/>
+              <a:t>.</a:t>
             </a:r>
           </a:p>
         </p:txBody>
@@ -16237,10 +16501,82 @@
               </a:buClr>
             </a:pPr>
             <a:r>
-              <a:rPr lang="en-US" sz="1500"/>
-              <a:t>AWS står for Amazon Web Services.
-Leder innen cloud-tjenester globalt.
-Tilbyr omfattende infrastruktur og tjenester.</a:t>
+              <a:rPr lang="en-US" sz="1500" dirty="0"/>
+              <a:t>AWS </a:t>
+            </a:r>
+            <a:r>
+              <a:rPr lang="en-US" sz="1500" dirty="0" err="1"/>
+              <a:t>står</a:t>
+            </a:r>
+            <a:r>
+              <a:rPr lang="en-US" sz="1500" dirty="0"/>
+              <a:t> for Amazon Web Services.
+Leder </a:t>
+            </a:r>
+            <a:r>
+              <a:rPr lang="en-US" sz="1500" dirty="0" err="1"/>
+              <a:t>innen</a:t>
+            </a:r>
+            <a:r>
+              <a:rPr lang="en-US" sz="1500" dirty="0"/>
+              <a:t> cloud-</a:t>
+            </a:r>
+            <a:r>
+              <a:rPr lang="en-US" sz="1500" dirty="0" err="1"/>
+              <a:t>tjenester</a:t>
+            </a:r>
+            <a:r>
+              <a:rPr lang="en-US" sz="1500" dirty="0"/>
+              <a:t> </a:t>
+            </a:r>
+            <a:r>
+              <a:rPr lang="en-US" sz="1500" dirty="0" err="1"/>
+              <a:t>globalt</a:t>
+            </a:r>
+            <a:r>
+              <a:rPr lang="en-US" sz="1500" dirty="0"/>
+              <a:t>.
+</a:t>
+            </a:r>
+            <a:r>
+              <a:rPr lang="en-US" sz="1500" dirty="0" err="1"/>
+              <a:t>Tilbyr</a:t>
+            </a:r>
+            <a:r>
+              <a:rPr lang="en-US" sz="1500" dirty="0"/>
+              <a:t> </a:t>
+            </a:r>
+            <a:r>
+              <a:rPr lang="en-US" sz="1500" dirty="0" err="1"/>
+              <a:t>omfattende</a:t>
+            </a:r>
+            <a:r>
+              <a:rPr lang="en-US" sz="1500" dirty="0"/>
+              <a:t> </a:t>
+            </a:r>
+            <a:r>
+              <a:rPr lang="en-US" sz="1500" dirty="0" err="1"/>
+              <a:t>infrastruktur</a:t>
+            </a:r>
+            <a:r>
+              <a:rPr lang="en-US" sz="1500" dirty="0"/>
+              <a:t> </a:t>
+            </a:r>
+            <a:r>
+              <a:rPr lang="en-US" sz="1500" dirty="0" err="1"/>
+              <a:t>og</a:t>
+            </a:r>
+            <a:r>
+              <a:rPr lang="en-US" sz="1500" dirty="0"/>
+              <a:t> </a:t>
+            </a:r>
+            <a:r>
+              <a:rPr lang="en-US" sz="1500" dirty="0" err="1"/>
+              <a:t>tjenester</a:t>
+            </a:r>
+            <a:r>
+              <a:rPr lang="en-US" sz="1500" dirty="0"/>
+              <a:t>.</a:t>
             </a:r>
           </a:p>
         </p:txBody>
@@ -16325,10 +16661,42 @@
               </a:buClr>
             </a:pPr>
             <a:r>
-              <a:rPr lang="en-US" sz="1500"/>
-              <a:t>EC2: Virtuelle servere.
-S3: Lagring av data.
-RDS: Relasjonsdatabaser.
+              <a:rPr lang="en-US" sz="1500" dirty="0"/>
+              <a:t>EC2: </a:t>
+            </a:r>
+            <a:r>
+              <a:rPr lang="en-US" sz="1500" dirty="0" err="1"/>
+              <a:t>Virtuelle</a:t>
+            </a:r>
+            <a:r>
+              <a:rPr lang="en-US" sz="1500" dirty="0"/>
+              <a:t> </a:t>
+            </a:r>
+            <a:r>
+              <a:rPr lang="en-US" sz="1500" dirty="0" err="1"/>
+              <a:t>servere</a:t>
+            </a:r>
+            <a:r>
+              <a:rPr lang="en-US" sz="1500" dirty="0"/>
+              <a:t>.
+S3: </a:t>
+            </a:r>
+            <a:r>
+              <a:rPr lang="en-US" sz="1500" dirty="0" err="1"/>
+              <a:t>Lagring</a:t>
+            </a:r>
+            <a:r>
+              <a:rPr lang="en-US" sz="1500" dirty="0"/>
+              <a:t> av data.
+RDS: </a:t>
+            </a:r>
+            <a:r>
+              <a:rPr lang="en-US" sz="1500" dirty="0" err="1"/>
+              <a:t>Relasjonsdatabaser</a:t>
+            </a:r>
+            <a:r>
+              <a:rPr lang="en-US" sz="1500" dirty="0"/>
+              <a:t>.
 Lambda: Serverless computing.</a:t>
             </a:r>
           </a:p>
@@ -17458,7 +17826,7 @@
         </p:nvSpPr>
         <p:spPr>
           <a:xfrm>
-            <a:off x="6106158" y="2347024"/>
+            <a:off x="6116252" y="2347024"/>
             <a:ext cx="5183189" cy="1463040"/>
           </a:xfrm>
         </p:spPr>
@@ -17562,8 +17930,24 @@
               <a:buNone/>
             </a:pPr>
             <a:r>
-              <a:rPr lang="en-US"/>
-              <a:t>Lar VPC kommunisere med internett.</a:t>
+              <a:rPr lang="en-US" dirty="0"/>
+              <a:t>Lar VPC </a:t>
+            </a:r>
+            <a:r>
+              <a:rPr lang="en-US" dirty="0" err="1"/>
+              <a:t>kommunisere</a:t>
+            </a:r>
+            <a:r>
+              <a:rPr lang="en-US" dirty="0"/>
+              <a:t> med </a:t>
+            </a:r>
+            <a:r>
+              <a:rPr lang="en-US" dirty="0" err="1"/>
+              <a:t>internett</a:t>
+            </a:r>
+            <a:r>
+              <a:rPr lang="en-US" dirty="0"/>
+              <a:t>.</a:t>
             </a:r>
           </a:p>
         </p:txBody>
@@ -18215,8 +18599,80 @@
               </a:lnSpc>
             </a:pPr>
             <a:r>
-              <a:rPr lang="en-US"/>
-              <a:t>Med EC2 kan du betale kun for kapasiteten du bruker, noe som gir kostnadsbesparelser.</a:t>
+              <a:rPr lang="en-US" dirty="0"/>
+              <a:t>Med EC2 </a:t>
+            </a:r>
+            <a:r>
+              <a:rPr lang="en-US" dirty="0" err="1"/>
+              <a:t>kan</a:t>
+            </a:r>
+            <a:r>
+              <a:rPr lang="en-US" dirty="0"/>
+              <a:t> du </a:t>
+            </a:r>
+            <a:r>
+              <a:rPr lang="en-US" dirty="0" err="1"/>
+              <a:t>betale</a:t>
+            </a:r>
+            <a:r>
+              <a:rPr lang="en-US" dirty="0"/>
+              <a:t> </a:t>
+            </a:r>
+            <a:r>
+              <a:rPr lang="en-US" dirty="0" err="1"/>
+              <a:t>kun</a:t>
+            </a:r>
+            <a:r>
+              <a:rPr lang="en-US" dirty="0"/>
+              <a:t> for </a:t>
+            </a:r>
+            <a:r>
+              <a:rPr lang="en-US" dirty="0" err="1"/>
+              <a:t>kapasiteten</a:t>
+            </a:r>
+            <a:r>
+              <a:rPr lang="en-US" dirty="0"/>
+              <a:t> du </a:t>
+            </a:r>
+            <a:r>
+              <a:rPr lang="en-US" dirty="0" err="1"/>
+              <a:t>bruker</a:t>
+            </a:r>
+            <a:r>
+              <a:rPr lang="en-US" dirty="0"/>
+              <a:t>, </a:t>
+            </a:r>
+            <a:r>
+              <a:rPr lang="en-US" dirty="0" err="1"/>
+              <a:t>noe</a:t>
+            </a:r>
+            <a:r>
+              <a:rPr lang="en-US" dirty="0"/>
+              <a:t> </a:t>
+            </a:r>
+            <a:r>
+              <a:rPr lang="en-US" dirty="0" err="1"/>
+              <a:t>som</a:t>
+            </a:r>
+            <a:r>
+              <a:rPr lang="en-US" dirty="0"/>
+              <a:t> </a:t>
+            </a:r>
+            <a:r>
+              <a:rPr lang="en-US" dirty="0" err="1"/>
+              <a:t>gir</a:t>
+            </a:r>
+            <a:r>
+              <a:rPr lang="en-US" dirty="0"/>
+              <a:t> </a:t>
+            </a:r>
+            <a:r>
+              <a:rPr lang="en-US" dirty="0" err="1"/>
+              <a:t>kostnadsbesparelser</a:t>
+            </a:r>
+            <a:r>
+              <a:rPr lang="en-US" dirty="0"/>
+              <a:t>.</a:t>
             </a:r>
           </a:p>
         </p:txBody>
